--- a/Suncoin_Presentation.pptx
+++ b/Suncoin_Presentation.pptx
@@ -308,7 +308,7 @@
           <a:p>
             <a:fld id="{5BCAD085-E8A6-8845-BD4E-CB4CCA059FC4}" type="datetimeFigureOut">
               <a:rPr lang="en-US" smtClean="0"/>
-              <a:t>6/8/2024</a:t>
+              <a:t>6/20/2024</a:t>
             </a:fld>
             <a:endParaRPr lang="en-US"/>
           </a:p>
@@ -476,7 +476,7 @@
           <a:p>
             <a:fld id="{5BCAD085-E8A6-8845-BD4E-CB4CCA059FC4}" type="datetimeFigureOut">
               <a:rPr lang="en-US" smtClean="0"/>
-              <a:t>6/8/2024</a:t>
+              <a:t>6/20/2024</a:t>
             </a:fld>
             <a:endParaRPr lang="en-US"/>
           </a:p>
@@ -654,7 +654,7 @@
           <a:p>
             <a:fld id="{5BCAD085-E8A6-8845-BD4E-CB4CCA059FC4}" type="datetimeFigureOut">
               <a:rPr lang="en-US" smtClean="0"/>
-              <a:t>6/8/2024</a:t>
+              <a:t>6/20/2024</a:t>
             </a:fld>
             <a:endParaRPr lang="en-US"/>
           </a:p>
@@ -822,7 +822,7 @@
           <a:p>
             <a:fld id="{5BCAD085-E8A6-8845-BD4E-CB4CCA059FC4}" type="datetimeFigureOut">
               <a:rPr lang="en-US" smtClean="0"/>
-              <a:t>6/8/2024</a:t>
+              <a:t>6/20/2024</a:t>
             </a:fld>
             <a:endParaRPr lang="en-US"/>
           </a:p>
@@ -1067,7 +1067,7 @@
           <a:p>
             <a:fld id="{5BCAD085-E8A6-8845-BD4E-CB4CCA059FC4}" type="datetimeFigureOut">
               <a:rPr lang="en-US" smtClean="0"/>
-              <a:t>6/8/2024</a:t>
+              <a:t>6/20/2024</a:t>
             </a:fld>
             <a:endParaRPr lang="en-US"/>
           </a:p>
@@ -1352,7 +1352,7 @@
           <a:p>
             <a:fld id="{5BCAD085-E8A6-8845-BD4E-CB4CCA059FC4}" type="datetimeFigureOut">
               <a:rPr lang="en-US" smtClean="0"/>
-              <a:t>6/8/2024</a:t>
+              <a:t>6/20/2024</a:t>
             </a:fld>
             <a:endParaRPr lang="en-US"/>
           </a:p>
@@ -1771,7 +1771,7 @@
           <a:p>
             <a:fld id="{5BCAD085-E8A6-8845-BD4E-CB4CCA059FC4}" type="datetimeFigureOut">
               <a:rPr lang="en-US" smtClean="0"/>
-              <a:t>6/8/2024</a:t>
+              <a:t>6/20/2024</a:t>
             </a:fld>
             <a:endParaRPr lang="en-US"/>
           </a:p>
@@ -1888,7 +1888,7 @@
           <a:p>
             <a:fld id="{5BCAD085-E8A6-8845-BD4E-CB4CCA059FC4}" type="datetimeFigureOut">
               <a:rPr lang="en-US" smtClean="0"/>
-              <a:t>6/8/2024</a:t>
+              <a:t>6/20/2024</a:t>
             </a:fld>
             <a:endParaRPr lang="en-US"/>
           </a:p>
@@ -1983,7 +1983,7 @@
           <a:p>
             <a:fld id="{5BCAD085-E8A6-8845-BD4E-CB4CCA059FC4}" type="datetimeFigureOut">
               <a:rPr lang="en-US" smtClean="0"/>
-              <a:t>6/8/2024</a:t>
+              <a:t>6/20/2024</a:t>
             </a:fld>
             <a:endParaRPr lang="en-US"/>
           </a:p>
@@ -2258,7 +2258,7 @@
           <a:p>
             <a:fld id="{5BCAD085-E8A6-8845-BD4E-CB4CCA059FC4}" type="datetimeFigureOut">
               <a:rPr lang="en-US" smtClean="0"/>
-              <a:t>6/8/2024</a:t>
+              <a:t>6/20/2024</a:t>
             </a:fld>
             <a:endParaRPr lang="en-US"/>
           </a:p>
@@ -2510,7 +2510,7 @@
           <a:p>
             <a:fld id="{5BCAD085-E8A6-8845-BD4E-CB4CCA059FC4}" type="datetimeFigureOut">
               <a:rPr lang="en-US" smtClean="0"/>
-              <a:t>6/8/2024</a:t>
+              <a:t>6/20/2024</a:t>
             </a:fld>
             <a:endParaRPr lang="en-US"/>
           </a:p>
@@ -2721,7 +2721,7 @@
           <a:p>
             <a:fld id="{5BCAD085-E8A6-8845-BD4E-CB4CCA059FC4}" type="datetimeFigureOut">
               <a:rPr lang="en-US" smtClean="0"/>
-              <a:t>6/8/2024</a:t>
+              <a:t>6/20/2024</a:t>
             </a:fld>
             <a:endParaRPr lang="en-US"/>
           </a:p>
@@ -3138,9 +3138,18 @@
           <a:lstStyle/>
           <a:p>
             <a:r>
-              <a:rPr dirty="0"/>
-              <a:t>Thiel Fellowship</a:t>
-            </a:r>
+              <a:rPr lang="en-US" b="1" dirty="0" err="1"/>
+              <a:t>Azimbek</a:t>
+            </a:r>
+            <a:r>
+              <a:rPr lang="en-US" b="1" dirty="0"/>
+              <a:t> </a:t>
+            </a:r>
+            <a:r>
+              <a:rPr lang="en-US" b="1" dirty="0" err="1"/>
+              <a:t>Olimbekov</a:t>
+            </a:r>
+            <a:endParaRPr b="1" dirty="0"/>
           </a:p>
         </p:txBody>
       </p:sp>
